--- a/Диплом/Diplom-Prezentatsia_1.pptx
+++ b/Диплом/Diplom-Prezentatsia_1.pptx
@@ -8026,7 +8026,15 @@
             </a:pPr>
             <a:r>
               <a:rPr lang="ru-RU" dirty="0" smtClean="0"/>
-              <a:t>Разработать схему БД управлением отчётностью ППС.</a:t>
+              <a:t>Разработать с</a:t>
+            </a:r>
+            <a:r>
+              <a:rPr lang="ru-RU" sz="2200" dirty="0"/>
+              <a:t>х</a:t>
+            </a:r>
+            <a:r>
+              <a:rPr lang="ru-RU" dirty="0" smtClean="0"/>
+              <a:t>ему БД управлением отчётностью ППС.</a:t>
             </a:r>
           </a:p>
           <a:p>
@@ -8238,47 +8246,6 @@
           </a:p>
         </p:txBody>
       </p:sp>
-      <p:pic>
-        <p:nvPicPr>
-          <p:cNvPr id="1025" name="Рисунок 30"/>
-          <p:cNvPicPr>
-            <a:picLocks noChangeAspect="1" noChangeArrowheads="1"/>
-          </p:cNvPicPr>
-          <p:nvPr/>
-        </p:nvPicPr>
-        <p:blipFill>
-          <a:blip r:embed="rId2">
-            <a:extLst>
-              <a:ext uri="{28A0092B-C50C-407E-A947-70E740481C1C}">
-                <a14:useLocalDpi xmlns:a14="http://schemas.microsoft.com/office/drawing/2010/main" val="0"/>
-              </a:ext>
-            </a:extLst>
-          </a:blip>
-          <a:srcRect/>
-          <a:stretch>
-            <a:fillRect/>
-          </a:stretch>
-        </p:blipFill>
-        <p:spPr bwMode="auto">
-          <a:xfrm>
-            <a:off x="3682978" y="228600"/>
-            <a:ext cx="5200650" cy="5038725"/>
-          </a:xfrm>
-          <a:prstGeom prst="rect">
-            <a:avLst/>
-          </a:prstGeom>
-          <a:noFill/>
-          <a:extLst>
-            <a:ext uri="{909E8E84-426E-40DD-AFC4-6F175D3DCCD1}">
-              <a14:hiddenFill xmlns:a14="http://schemas.microsoft.com/office/drawing/2010/main">
-                <a:solidFill>
-                  <a:srgbClr val="FFFFFF"/>
-                </a:solidFill>
-              </a14:hiddenFill>
-            </a:ext>
-          </a:extLst>
-        </p:spPr>
-      </p:pic>
       <p:sp>
         <p:nvSpPr>
           <p:cNvPr id="5" name="Rectangle 3"/>
@@ -8382,6 +8349,30 @@
           </a:p>
         </p:txBody>
       </p:sp>
+      <p:pic>
+        <p:nvPicPr>
+          <p:cNvPr id="2" name="Рисунок 1"/>
+          <p:cNvPicPr>
+            <a:picLocks noChangeAspect="1"/>
+          </p:cNvPicPr>
+          <p:nvPr/>
+        </p:nvPicPr>
+        <p:blipFill>
+          <a:blip r:embed="rId2"/>
+          <a:stretch>
+            <a:fillRect/>
+          </a:stretch>
+        </p:blipFill>
+        <p:spPr>
+          <a:xfrm>
+            <a:off x="4056063" y="228600"/>
+            <a:ext cx="5457825" cy="5095875"/>
+          </a:xfrm>
+          <a:prstGeom prst="rect">
+            <a:avLst/>
+          </a:prstGeom>
+        </p:spPr>
+      </p:pic>
     </p:spTree>
     <p:extLst>
       <p:ext uri="{BB962C8B-B14F-4D97-AF65-F5344CB8AC3E}">
@@ -9690,7 +9681,7 @@
       </p:sp>
       <p:pic>
         <p:nvPicPr>
-          <p:cNvPr id="2" name="Рисунок 1"/>
+          <p:cNvPr id="3" name="Рисунок 2"/>
           <p:cNvPicPr>
             <a:picLocks noChangeAspect="1"/>
           </p:cNvPicPr>
@@ -9704,8 +9695,8 @@
         </p:blipFill>
         <p:spPr>
           <a:xfrm>
-            <a:off x="2909887" y="186906"/>
-            <a:ext cx="6353175" cy="6115050"/>
+            <a:off x="2973363" y="15456"/>
+            <a:ext cx="6381750" cy="6286500"/>
           </a:xfrm>
           <a:prstGeom prst="rect">
             <a:avLst/>
